--- a/cloud-infrastructure/networking/gateways/overview-presentation/files/OCI Gateways.pptx
+++ b/cloud-infrastructure/networking/gateways/overview-presentation/files/OCI Gateways.pptx
@@ -4144,7 +4144,7 @@
         <p:fade/>
       </p:transition>
     </mc:Choice>
-    <mc:Fallback xmlns="" xmlns:a14="http://schemas.microsoft.com/office/drawing/2010/main" xmlns:p15="http://schemas.microsoft.com/office/powerpoint/2012/main">
+    <mc:Fallback xmlns:p15="http://schemas.microsoft.com/office/powerpoint/2012/main" xmlns:a14="http://schemas.microsoft.com/office/drawing/2010/main" xmlns="">
       <p:transition spd="med">
         <p:fade/>
       </p:transition>
@@ -4758,7 +4758,7 @@
         <p:fade/>
       </p:transition>
     </mc:Choice>
-    <mc:Fallback xmlns="" xmlns:a14="http://schemas.microsoft.com/office/drawing/2010/main" xmlns:p15="http://schemas.microsoft.com/office/powerpoint/2012/main">
+    <mc:Fallback xmlns:p15="http://schemas.microsoft.com/office/powerpoint/2012/main" xmlns:a14="http://schemas.microsoft.com/office/drawing/2010/main" xmlns="">
       <p:transition spd="med">
         <p:fade/>
       </p:transition>
@@ -10545,16 +10545,20 @@
             <p:ph type="ftr" sz="quarter" idx="11"/>
           </p:nvPr>
         </p:nvSpPr>
-        <p:spPr/>
+        <p:spPr>
+          <a:xfrm>
+            <a:off x="1145248" y="6356352"/>
+            <a:ext cx="4645952" cy="365125"/>
+          </a:xfrm>
+        </p:spPr>
         <p:txBody>
           <a:bodyPr/>
           <a:lstStyle/>
           <a:p>
             <a:r>
-              <a:rPr lang="en-US"/>
-              <a:t>Copyright © 2019, Oracle and/or its affiliates. All rights reserved.</a:t>
+              <a:rPr lang="en-US" dirty="0"/>
+              <a:t>Copyright © 2023, Oracle and/or its affiliates.  Confidentiality : Public</a:t>
             </a:r>
-            <a:endParaRPr lang="en-US" dirty="0"/>
           </a:p>
         </p:txBody>
       </p:sp>
@@ -10703,24 +10707,20 @@
             <p:ph type="ftr" sz="quarter" idx="15"/>
           </p:nvPr>
         </p:nvSpPr>
-        <p:spPr/>
+        <p:spPr>
+          <a:xfrm>
+            <a:off x="1144588" y="6356350"/>
+            <a:ext cx="4257726" cy="365125"/>
+          </a:xfrm>
+        </p:spPr>
         <p:txBody>
           <a:bodyPr/>
           <a:lstStyle/>
           <a:p>
             <a:r>
-              <a:rPr lang="en-US">
-                <a:solidFill>
-                  <a:srgbClr val="58595B"/>
-                </a:solidFill>
-              </a:rPr>
-              <a:t>Confidential – Oracle Internal/Restricted/Highly Restricted</a:t>
+              <a:rPr lang="en-US" dirty="0"/>
+              <a:t>Copyright © 2023, Oracle and/or its affiliates.  Confidentiality : Public</a:t>
             </a:r>
-            <a:endParaRPr lang="en-US" dirty="0">
-              <a:solidFill>
-                <a:srgbClr val="58595B"/>
-              </a:solidFill>
-            </a:endParaRPr>
           </a:p>
         </p:txBody>
       </p:sp>
@@ -11640,7 +11640,7 @@
               <a:effectLst/>
               <a:extLst>
                 <a:ext uri="{91240B29-F687-4f45-9708-019B960494DF}">
-                  <a14:hiddenLine xmlns="" xmlns:a14="http://schemas.microsoft.com/office/drawing/2010/main" w="9525" cap="flat">
+                  <a14:hiddenLine xmlns:a14="http://schemas.microsoft.com/office/drawing/2010/main" xmlns="" w="9525" cap="flat">
                     <a:solidFill>
                       <a:srgbClr val="808080"/>
                     </a:solidFill>
@@ -11650,7 +11650,7 @@
                   </a14:hiddenLine>
                 </a:ext>
                 <a:ext uri="{AF507438-7753-43e0-B8FC-AC1667EBCBE1}">
-                  <a14:hiddenEffects xmlns="" xmlns:a14="http://schemas.microsoft.com/office/drawing/2010/main">
+                  <a14:hiddenEffects xmlns:a14="http://schemas.microsoft.com/office/drawing/2010/main" xmlns="">
                     <a:effectLst>
                       <a:outerShdw blurRad="63500" dist="38099" dir="2700000" algn="ctr" rotWithShape="0">
                         <a:srgbClr val="000000">
@@ -11757,7 +11757,7 @@
               <a:effectLst/>
               <a:extLst>
                 <a:ext uri="{91240B29-F687-4f45-9708-019B960494DF}">
-                  <a14:hiddenLine xmlns="" xmlns:a14="http://schemas.microsoft.com/office/drawing/2010/main" w="9525" cap="flat">
+                  <a14:hiddenLine xmlns:a14="http://schemas.microsoft.com/office/drawing/2010/main" xmlns="" w="9525" cap="flat">
                     <a:solidFill>
                       <a:srgbClr val="808080"/>
                     </a:solidFill>
@@ -11767,7 +11767,7 @@
                   </a14:hiddenLine>
                 </a:ext>
                 <a:ext uri="{AF507438-7753-43e0-B8FC-AC1667EBCBE1}">
-                  <a14:hiddenEffects xmlns="" xmlns:a14="http://schemas.microsoft.com/office/drawing/2010/main">
+                  <a14:hiddenEffects xmlns:a14="http://schemas.microsoft.com/office/drawing/2010/main" xmlns="">
                     <a:effectLst>
                       <a:outerShdw blurRad="63500" dist="38099" dir="2700000" algn="ctr" rotWithShape="0">
                         <a:srgbClr val="000000">
@@ -11882,7 +11882,7 @@
               <a:effectLst/>
               <a:extLst>
                 <a:ext uri="{91240B29-F687-4f45-9708-019B960494DF}">
-                  <a14:hiddenLine xmlns="" xmlns:a14="http://schemas.microsoft.com/office/drawing/2010/main" w="9525" cap="flat">
+                  <a14:hiddenLine xmlns:a14="http://schemas.microsoft.com/office/drawing/2010/main" xmlns="" w="9525" cap="flat">
                     <a:solidFill>
                       <a:srgbClr val="808080"/>
                     </a:solidFill>
@@ -11892,7 +11892,7 @@
                   </a14:hiddenLine>
                 </a:ext>
                 <a:ext uri="{AF507438-7753-43e0-B8FC-AC1667EBCBE1}">
-                  <a14:hiddenEffects xmlns="" xmlns:a14="http://schemas.microsoft.com/office/drawing/2010/main">
+                  <a14:hiddenEffects xmlns:a14="http://schemas.microsoft.com/office/drawing/2010/main" xmlns="">
                     <a:effectLst>
                       <a:outerShdw blurRad="63500" dist="38099" dir="2700000" algn="ctr" rotWithShape="0">
                         <a:srgbClr val="000000">
@@ -12017,7 +12017,7 @@
               <a:effectLst/>
               <a:extLst>
                 <a:ext uri="{91240B29-F687-4f45-9708-019B960494DF}">
-                  <a14:hiddenLine xmlns="" xmlns:a14="http://schemas.microsoft.com/office/drawing/2010/main" w="9525" cap="flat">
+                  <a14:hiddenLine xmlns:a14="http://schemas.microsoft.com/office/drawing/2010/main" xmlns="" w="9525" cap="flat">
                     <a:solidFill>
                       <a:srgbClr val="808080"/>
                     </a:solidFill>
@@ -12027,7 +12027,7 @@
                   </a14:hiddenLine>
                 </a:ext>
                 <a:ext uri="{AF507438-7753-43e0-B8FC-AC1667EBCBE1}">
-                  <a14:hiddenEffects xmlns="" xmlns:a14="http://schemas.microsoft.com/office/drawing/2010/main">
+                  <a14:hiddenEffects xmlns:a14="http://schemas.microsoft.com/office/drawing/2010/main" xmlns="">
                     <a:effectLst>
                       <a:outerShdw blurRad="63500" dist="38099" dir="2700000" algn="ctr" rotWithShape="0">
                         <a:srgbClr val="000000">
@@ -12142,7 +12142,7 @@
               <a:effectLst/>
               <a:extLst>
                 <a:ext uri="{91240B29-F687-4f45-9708-019B960494DF}">
-                  <a14:hiddenLine xmlns="" xmlns:a14="http://schemas.microsoft.com/office/drawing/2010/main" w="9525" cap="flat">
+                  <a14:hiddenLine xmlns:a14="http://schemas.microsoft.com/office/drawing/2010/main" xmlns="" w="9525" cap="flat">
                     <a:solidFill>
                       <a:srgbClr val="808080"/>
                     </a:solidFill>
@@ -12152,7 +12152,7 @@
                   </a14:hiddenLine>
                 </a:ext>
                 <a:ext uri="{AF507438-7753-43e0-B8FC-AC1667EBCBE1}">
-                  <a14:hiddenEffects xmlns="" xmlns:a14="http://schemas.microsoft.com/office/drawing/2010/main">
+                  <a14:hiddenEffects xmlns:a14="http://schemas.microsoft.com/office/drawing/2010/main" xmlns="">
                     <a:effectLst>
                       <a:outerShdw blurRad="63500" dist="38099" dir="2700000" algn="ctr" rotWithShape="0">
                         <a:srgbClr val="000000">
@@ -12463,7 +12463,7 @@
               <a:effectLst/>
               <a:extLst>
                 <a:ext uri="{91240B29-F687-4f45-9708-019B960494DF}">
-                  <a14:hiddenLine xmlns="" xmlns:a14="http://schemas.microsoft.com/office/drawing/2010/main" w="9525" cap="flat">
+                  <a14:hiddenLine xmlns:a14="http://schemas.microsoft.com/office/drawing/2010/main" xmlns="" w="9525" cap="flat">
                     <a:solidFill>
                       <a:srgbClr val="808080"/>
                     </a:solidFill>
@@ -12473,7 +12473,7 @@
                   </a14:hiddenLine>
                 </a:ext>
                 <a:ext uri="{AF507438-7753-43e0-B8FC-AC1667EBCBE1}">
-                  <a14:hiddenEffects xmlns="" xmlns:a14="http://schemas.microsoft.com/office/drawing/2010/main">
+                  <a14:hiddenEffects xmlns:a14="http://schemas.microsoft.com/office/drawing/2010/main" xmlns="">
                     <a:effectLst>
                       <a:outerShdw blurRad="63500" dist="38099" dir="2700000" algn="ctr" rotWithShape="0">
                         <a:srgbClr val="000000">
@@ -12923,7 +12923,7 @@
                 <a:effectLst/>
                 <a:extLst>
                   <a:ext uri="{91240B29-F687-4f45-9708-019B960494DF}">
-                    <a14:hiddenLine xmlns="" xmlns:a14="http://schemas.microsoft.com/office/drawing/2010/main" w="9525" cap="flat">
+                    <a14:hiddenLine xmlns:a14="http://schemas.microsoft.com/office/drawing/2010/main" xmlns="" w="9525" cap="flat">
                       <a:solidFill>
                         <a:srgbClr val="808080"/>
                       </a:solidFill>
@@ -12933,7 +12933,7 @@
                     </a14:hiddenLine>
                   </a:ext>
                   <a:ext uri="{AF507438-7753-43e0-B8FC-AC1667EBCBE1}">
-                    <a14:hiddenEffects xmlns="" xmlns:a14="http://schemas.microsoft.com/office/drawing/2010/main">
+                    <a14:hiddenEffects xmlns:a14="http://schemas.microsoft.com/office/drawing/2010/main" xmlns="">
                       <a:effectLst>
                         <a:outerShdw blurRad="63500" dist="38099" dir="2700000" algn="ctr" rotWithShape="0">
                           <a:srgbClr val="000000">
@@ -13258,7 +13258,7 @@
                 <a:effectLst/>
                 <a:extLst>
                   <a:ext uri="{91240B29-F687-4f45-9708-019B960494DF}">
-                    <a14:hiddenLine xmlns="" xmlns:a14="http://schemas.microsoft.com/office/drawing/2010/main" w="9525" cap="flat">
+                    <a14:hiddenLine xmlns:a14="http://schemas.microsoft.com/office/drawing/2010/main" xmlns="" w="9525" cap="flat">
                       <a:solidFill>
                         <a:srgbClr val="808080"/>
                       </a:solidFill>
@@ -13268,7 +13268,7 @@
                     </a14:hiddenLine>
                   </a:ext>
                   <a:ext uri="{AF507438-7753-43e0-B8FC-AC1667EBCBE1}">
-                    <a14:hiddenEffects xmlns="" xmlns:a14="http://schemas.microsoft.com/office/drawing/2010/main">
+                    <a14:hiddenEffects xmlns:a14="http://schemas.microsoft.com/office/drawing/2010/main" xmlns="">
                       <a:effectLst>
                         <a:outerShdw blurRad="63500" dist="38099" dir="2700000" algn="ctr" rotWithShape="0">
                           <a:srgbClr val="000000">
@@ -14228,7 +14228,7 @@
               <a:effectLst/>
               <a:extLst>
                 <a:ext uri="{91240B29-F687-4f45-9708-019B960494DF}">
-                  <a14:hiddenLine xmlns="" xmlns:a14="http://schemas.microsoft.com/office/drawing/2010/main" w="9525" cap="flat">
+                  <a14:hiddenLine xmlns:a14="http://schemas.microsoft.com/office/drawing/2010/main" xmlns="" w="9525" cap="flat">
                     <a:solidFill>
                       <a:srgbClr val="808080"/>
                     </a:solidFill>
@@ -14238,7 +14238,7 @@
                   </a14:hiddenLine>
                 </a:ext>
                 <a:ext uri="{AF507438-7753-43e0-B8FC-AC1667EBCBE1}">
-                  <a14:hiddenEffects xmlns="" xmlns:a14="http://schemas.microsoft.com/office/drawing/2010/main">
+                  <a14:hiddenEffects xmlns:a14="http://schemas.microsoft.com/office/drawing/2010/main" xmlns="">
                     <a:effectLst>
                       <a:outerShdw blurRad="63500" dist="38099" dir="2700000" algn="ctr" rotWithShape="0">
                         <a:srgbClr val="000000">
@@ -14345,7 +14345,7 @@
               <a:effectLst/>
               <a:extLst>
                 <a:ext uri="{91240B29-F687-4f45-9708-019B960494DF}">
-                  <a14:hiddenLine xmlns="" xmlns:a14="http://schemas.microsoft.com/office/drawing/2010/main" w="9525" cap="flat">
+                  <a14:hiddenLine xmlns:a14="http://schemas.microsoft.com/office/drawing/2010/main" xmlns="" w="9525" cap="flat">
                     <a:solidFill>
                       <a:srgbClr val="808080"/>
                     </a:solidFill>
@@ -14355,7 +14355,7 @@
                   </a14:hiddenLine>
                 </a:ext>
                 <a:ext uri="{AF507438-7753-43e0-B8FC-AC1667EBCBE1}">
-                  <a14:hiddenEffects xmlns="" xmlns:a14="http://schemas.microsoft.com/office/drawing/2010/main">
+                  <a14:hiddenEffects xmlns:a14="http://schemas.microsoft.com/office/drawing/2010/main" xmlns="">
                     <a:effectLst>
                       <a:outerShdw blurRad="63500" dist="38099" dir="2700000" algn="ctr" rotWithShape="0">
                         <a:srgbClr val="000000">
@@ -14470,7 +14470,7 @@
               <a:effectLst/>
               <a:extLst>
                 <a:ext uri="{91240B29-F687-4f45-9708-019B960494DF}">
-                  <a14:hiddenLine xmlns="" xmlns:a14="http://schemas.microsoft.com/office/drawing/2010/main" w="9525" cap="flat">
+                  <a14:hiddenLine xmlns:a14="http://schemas.microsoft.com/office/drawing/2010/main" xmlns="" w="9525" cap="flat">
                     <a:solidFill>
                       <a:srgbClr val="808080"/>
                     </a:solidFill>
@@ -14480,7 +14480,7 @@
                   </a14:hiddenLine>
                 </a:ext>
                 <a:ext uri="{AF507438-7753-43e0-B8FC-AC1667EBCBE1}">
-                  <a14:hiddenEffects xmlns="" xmlns:a14="http://schemas.microsoft.com/office/drawing/2010/main">
+                  <a14:hiddenEffects xmlns:a14="http://schemas.microsoft.com/office/drawing/2010/main" xmlns="">
                     <a:effectLst>
                       <a:outerShdw blurRad="63500" dist="38099" dir="2700000" algn="ctr" rotWithShape="0">
                         <a:srgbClr val="000000">
@@ -14605,7 +14605,7 @@
               <a:effectLst/>
               <a:extLst>
                 <a:ext uri="{91240B29-F687-4f45-9708-019B960494DF}">
-                  <a14:hiddenLine xmlns="" xmlns:a14="http://schemas.microsoft.com/office/drawing/2010/main" w="9525" cap="flat">
+                  <a14:hiddenLine xmlns:a14="http://schemas.microsoft.com/office/drawing/2010/main" xmlns="" w="9525" cap="flat">
                     <a:solidFill>
                       <a:srgbClr val="808080"/>
                     </a:solidFill>
@@ -14615,7 +14615,7 @@
                   </a14:hiddenLine>
                 </a:ext>
                 <a:ext uri="{AF507438-7753-43e0-B8FC-AC1667EBCBE1}">
-                  <a14:hiddenEffects xmlns="" xmlns:a14="http://schemas.microsoft.com/office/drawing/2010/main">
+                  <a14:hiddenEffects xmlns:a14="http://schemas.microsoft.com/office/drawing/2010/main" xmlns="">
                     <a:effectLst>
                       <a:outerShdw blurRad="63500" dist="38099" dir="2700000" algn="ctr" rotWithShape="0">
                         <a:srgbClr val="000000">
@@ -14730,7 +14730,7 @@
               <a:effectLst/>
               <a:extLst>
                 <a:ext uri="{91240B29-F687-4f45-9708-019B960494DF}">
-                  <a14:hiddenLine xmlns="" xmlns:a14="http://schemas.microsoft.com/office/drawing/2010/main" w="9525" cap="flat">
+                  <a14:hiddenLine xmlns:a14="http://schemas.microsoft.com/office/drawing/2010/main" xmlns="" w="9525" cap="flat">
                     <a:solidFill>
                       <a:srgbClr val="808080"/>
                     </a:solidFill>
@@ -14740,7 +14740,7 @@
                   </a14:hiddenLine>
                 </a:ext>
                 <a:ext uri="{AF507438-7753-43e0-B8FC-AC1667EBCBE1}">
-                  <a14:hiddenEffects xmlns="" xmlns:a14="http://schemas.microsoft.com/office/drawing/2010/main">
+                  <a14:hiddenEffects xmlns:a14="http://schemas.microsoft.com/office/drawing/2010/main" xmlns="">
                     <a:effectLst>
                       <a:outerShdw blurRad="63500" dist="38099" dir="2700000" algn="ctr" rotWithShape="0">
                         <a:srgbClr val="000000">
@@ -15051,7 +15051,7 @@
               <a:effectLst/>
               <a:extLst>
                 <a:ext uri="{91240B29-F687-4f45-9708-019B960494DF}">
-                  <a14:hiddenLine xmlns="" xmlns:a14="http://schemas.microsoft.com/office/drawing/2010/main" w="9525" cap="flat">
+                  <a14:hiddenLine xmlns:a14="http://schemas.microsoft.com/office/drawing/2010/main" xmlns="" w="9525" cap="flat">
                     <a:solidFill>
                       <a:srgbClr val="808080"/>
                     </a:solidFill>
@@ -15061,7 +15061,7 @@
                   </a14:hiddenLine>
                 </a:ext>
                 <a:ext uri="{AF507438-7753-43e0-B8FC-AC1667EBCBE1}">
-                  <a14:hiddenEffects xmlns="" xmlns:a14="http://schemas.microsoft.com/office/drawing/2010/main">
+                  <a14:hiddenEffects xmlns:a14="http://schemas.microsoft.com/office/drawing/2010/main" xmlns="">
                     <a:effectLst>
                       <a:outerShdw blurRad="63500" dist="38099" dir="2700000" algn="ctr" rotWithShape="0">
                         <a:srgbClr val="000000">
@@ -16084,7 +16084,7 @@
                 <a:effectLst/>
                 <a:extLst>
                   <a:ext uri="{91240B29-F687-4f45-9708-019B960494DF}">
-                    <a14:hiddenLine xmlns="" xmlns:a14="http://schemas.microsoft.com/office/drawing/2010/main" w="9525" cap="flat">
+                    <a14:hiddenLine xmlns:a14="http://schemas.microsoft.com/office/drawing/2010/main" xmlns="" w="9525" cap="flat">
                       <a:solidFill>
                         <a:srgbClr val="808080"/>
                       </a:solidFill>
@@ -16094,7 +16094,7 @@
                     </a14:hiddenLine>
                   </a:ext>
                   <a:ext uri="{AF507438-7753-43e0-B8FC-AC1667EBCBE1}">
-                    <a14:hiddenEffects xmlns="" xmlns:a14="http://schemas.microsoft.com/office/drawing/2010/main">
+                    <a14:hiddenEffects xmlns:a14="http://schemas.microsoft.com/office/drawing/2010/main" xmlns="">
                       <a:effectLst>
                         <a:outerShdw blurRad="63500" dist="38099" dir="2700000" algn="ctr" rotWithShape="0">
                           <a:srgbClr val="000000">
@@ -16419,7 +16419,7 @@
                 <a:effectLst/>
                 <a:extLst>
                   <a:ext uri="{91240B29-F687-4f45-9708-019B960494DF}">
-                    <a14:hiddenLine xmlns="" xmlns:a14="http://schemas.microsoft.com/office/drawing/2010/main" w="9525" cap="flat">
+                    <a14:hiddenLine xmlns:a14="http://schemas.microsoft.com/office/drawing/2010/main" xmlns="" w="9525" cap="flat">
                       <a:solidFill>
                         <a:srgbClr val="808080"/>
                       </a:solidFill>
@@ -16429,7 +16429,7 @@
                     </a14:hiddenLine>
                   </a:ext>
                   <a:ext uri="{AF507438-7753-43e0-B8FC-AC1667EBCBE1}">
-                    <a14:hiddenEffects xmlns="" xmlns:a14="http://schemas.microsoft.com/office/drawing/2010/main">
+                    <a14:hiddenEffects xmlns:a14="http://schemas.microsoft.com/office/drawing/2010/main" xmlns="">
                       <a:effectLst>
                         <a:outerShdw blurRad="63500" dist="38099" dir="2700000" algn="ctr" rotWithShape="0">
                           <a:srgbClr val="000000">
@@ -17505,7 +17505,7 @@
               <a:effectLst/>
               <a:extLst>
                 <a:ext uri="{91240B29-F687-4f45-9708-019B960494DF}">
-                  <a14:hiddenLine xmlns="" xmlns:a14="http://schemas.microsoft.com/office/drawing/2010/main" w="9525" cap="flat">
+                  <a14:hiddenLine xmlns:a14="http://schemas.microsoft.com/office/drawing/2010/main" xmlns="" w="9525" cap="flat">
                     <a:solidFill>
                       <a:srgbClr val="808080"/>
                     </a:solidFill>
@@ -17515,7 +17515,7 @@
                   </a14:hiddenLine>
                 </a:ext>
                 <a:ext uri="{AF507438-7753-43e0-B8FC-AC1667EBCBE1}">
-                  <a14:hiddenEffects xmlns="" xmlns:a14="http://schemas.microsoft.com/office/drawing/2010/main">
+                  <a14:hiddenEffects xmlns:a14="http://schemas.microsoft.com/office/drawing/2010/main" xmlns="">
                     <a:effectLst>
                       <a:outerShdw blurRad="63500" dist="38099" dir="2700000" algn="ctr" rotWithShape="0">
                         <a:srgbClr val="000000">
@@ -17622,7 +17622,7 @@
               <a:effectLst/>
               <a:extLst>
                 <a:ext uri="{91240B29-F687-4f45-9708-019B960494DF}">
-                  <a14:hiddenLine xmlns="" xmlns:a14="http://schemas.microsoft.com/office/drawing/2010/main" w="9525" cap="flat">
+                  <a14:hiddenLine xmlns:a14="http://schemas.microsoft.com/office/drawing/2010/main" xmlns="" w="9525" cap="flat">
                     <a:solidFill>
                       <a:srgbClr val="808080"/>
                     </a:solidFill>
@@ -17632,7 +17632,7 @@
                   </a14:hiddenLine>
                 </a:ext>
                 <a:ext uri="{AF507438-7753-43e0-B8FC-AC1667EBCBE1}">
-                  <a14:hiddenEffects xmlns="" xmlns:a14="http://schemas.microsoft.com/office/drawing/2010/main">
+                  <a14:hiddenEffects xmlns:a14="http://schemas.microsoft.com/office/drawing/2010/main" xmlns="">
                     <a:effectLst>
                       <a:outerShdw blurRad="63500" dist="38099" dir="2700000" algn="ctr" rotWithShape="0">
                         <a:srgbClr val="000000">
@@ -17747,7 +17747,7 @@
               <a:effectLst/>
               <a:extLst>
                 <a:ext uri="{91240B29-F687-4f45-9708-019B960494DF}">
-                  <a14:hiddenLine xmlns="" xmlns:a14="http://schemas.microsoft.com/office/drawing/2010/main" w="9525" cap="flat">
+                  <a14:hiddenLine xmlns:a14="http://schemas.microsoft.com/office/drawing/2010/main" xmlns="" w="9525" cap="flat">
                     <a:solidFill>
                       <a:srgbClr val="808080"/>
                     </a:solidFill>
@@ -17757,7 +17757,7 @@
                   </a14:hiddenLine>
                 </a:ext>
                 <a:ext uri="{AF507438-7753-43e0-B8FC-AC1667EBCBE1}">
-                  <a14:hiddenEffects xmlns="" xmlns:a14="http://schemas.microsoft.com/office/drawing/2010/main">
+                  <a14:hiddenEffects xmlns:a14="http://schemas.microsoft.com/office/drawing/2010/main" xmlns="">
                     <a:effectLst>
                       <a:outerShdw blurRad="63500" dist="38099" dir="2700000" algn="ctr" rotWithShape="0">
                         <a:srgbClr val="000000">
@@ -17882,7 +17882,7 @@
               <a:effectLst/>
               <a:extLst>
                 <a:ext uri="{91240B29-F687-4f45-9708-019B960494DF}">
-                  <a14:hiddenLine xmlns="" xmlns:a14="http://schemas.microsoft.com/office/drawing/2010/main" w="9525" cap="flat">
+                  <a14:hiddenLine xmlns:a14="http://schemas.microsoft.com/office/drawing/2010/main" xmlns="" w="9525" cap="flat">
                     <a:solidFill>
                       <a:srgbClr val="808080"/>
                     </a:solidFill>
@@ -17892,7 +17892,7 @@
                   </a14:hiddenLine>
                 </a:ext>
                 <a:ext uri="{AF507438-7753-43e0-B8FC-AC1667EBCBE1}">
-                  <a14:hiddenEffects xmlns="" xmlns:a14="http://schemas.microsoft.com/office/drawing/2010/main">
+                  <a14:hiddenEffects xmlns:a14="http://schemas.microsoft.com/office/drawing/2010/main" xmlns="">
                     <a:effectLst>
                       <a:outerShdw blurRad="63500" dist="38099" dir="2700000" algn="ctr" rotWithShape="0">
                         <a:srgbClr val="000000">
@@ -18007,7 +18007,7 @@
               <a:effectLst/>
               <a:extLst>
                 <a:ext uri="{91240B29-F687-4f45-9708-019B960494DF}">
-                  <a14:hiddenLine xmlns="" xmlns:a14="http://schemas.microsoft.com/office/drawing/2010/main" w="9525" cap="flat">
+                  <a14:hiddenLine xmlns:a14="http://schemas.microsoft.com/office/drawing/2010/main" xmlns="" w="9525" cap="flat">
                     <a:solidFill>
                       <a:srgbClr val="808080"/>
                     </a:solidFill>
@@ -18017,7 +18017,7 @@
                   </a14:hiddenLine>
                 </a:ext>
                 <a:ext uri="{AF507438-7753-43e0-B8FC-AC1667EBCBE1}">
-                  <a14:hiddenEffects xmlns="" xmlns:a14="http://schemas.microsoft.com/office/drawing/2010/main">
+                  <a14:hiddenEffects xmlns:a14="http://schemas.microsoft.com/office/drawing/2010/main" xmlns="">
                     <a:effectLst>
                       <a:outerShdw blurRad="63500" dist="38099" dir="2700000" algn="ctr" rotWithShape="0">
                         <a:srgbClr val="000000">
@@ -18328,7 +18328,7 @@
               <a:effectLst/>
               <a:extLst>
                 <a:ext uri="{91240B29-F687-4f45-9708-019B960494DF}">
-                  <a14:hiddenLine xmlns="" xmlns:a14="http://schemas.microsoft.com/office/drawing/2010/main" w="9525" cap="flat">
+                  <a14:hiddenLine xmlns:a14="http://schemas.microsoft.com/office/drawing/2010/main" xmlns="" w="9525" cap="flat">
                     <a:solidFill>
                       <a:srgbClr val="808080"/>
                     </a:solidFill>
@@ -18338,7 +18338,7 @@
                   </a14:hiddenLine>
                 </a:ext>
                 <a:ext uri="{AF507438-7753-43e0-B8FC-AC1667EBCBE1}">
-                  <a14:hiddenEffects xmlns="" xmlns:a14="http://schemas.microsoft.com/office/drawing/2010/main">
+                  <a14:hiddenEffects xmlns:a14="http://schemas.microsoft.com/office/drawing/2010/main" xmlns="">
                     <a:effectLst>
                       <a:outerShdw blurRad="63500" dist="38099" dir="2700000" algn="ctr" rotWithShape="0">
                         <a:srgbClr val="000000">
@@ -19801,7 +19801,7 @@
             <a:effectLst/>
             <a:extLst>
               <a:ext uri="{91240B29-F687-4f45-9708-019B960494DF}">
-                <a14:hiddenLine xmlns="" xmlns:a14="http://schemas.microsoft.com/office/drawing/2010/main" w="9525" cap="flat">
+                <a14:hiddenLine xmlns:a14="http://schemas.microsoft.com/office/drawing/2010/main" xmlns="" w="9525" cap="flat">
                   <a:solidFill>
                     <a:srgbClr val="808080"/>
                   </a:solidFill>
@@ -19811,7 +19811,7 @@
                 </a14:hiddenLine>
               </a:ext>
               <a:ext uri="{AF507438-7753-43e0-B8FC-AC1667EBCBE1}">
-                <a14:hiddenEffects xmlns="" xmlns:a14="http://schemas.microsoft.com/office/drawing/2010/main">
+                <a14:hiddenEffects xmlns:a14="http://schemas.microsoft.com/office/drawing/2010/main" xmlns="">
                   <a:effectLst>
                     <a:outerShdw blurRad="63500" dist="38099" dir="2700000" algn="ctr" rotWithShape="0">
                       <a:srgbClr val="000000">
@@ -20136,7 +20136,7 @@
             <a:effectLst/>
             <a:extLst>
               <a:ext uri="{91240B29-F687-4f45-9708-019B960494DF}">
-                <a14:hiddenLine xmlns="" xmlns:a14="http://schemas.microsoft.com/office/drawing/2010/main" w="9525" cap="flat">
+                <a14:hiddenLine xmlns:a14="http://schemas.microsoft.com/office/drawing/2010/main" xmlns="" w="9525" cap="flat">
                   <a:solidFill>
                     <a:srgbClr val="808080"/>
                   </a:solidFill>
@@ -20146,7 +20146,7 @@
                 </a14:hiddenLine>
               </a:ext>
               <a:ext uri="{AF507438-7753-43e0-B8FC-AC1667EBCBE1}">
-                <a14:hiddenEffects xmlns="" xmlns:a14="http://schemas.microsoft.com/office/drawing/2010/main">
+                <a14:hiddenEffects xmlns:a14="http://schemas.microsoft.com/office/drawing/2010/main" xmlns="">
                   <a:effectLst>
                     <a:outerShdw blurRad="63500" dist="38099" dir="2700000" algn="ctr" rotWithShape="0">
                       <a:srgbClr val="000000">
@@ -21360,7 +21360,7 @@
               <a:effectLst/>
               <a:extLst>
                 <a:ext uri="{91240B29-F687-4f45-9708-019B960494DF}">
-                  <a14:hiddenLine xmlns="" xmlns:a14="http://schemas.microsoft.com/office/drawing/2010/main" w="9525" cap="flat">
+                  <a14:hiddenLine xmlns:a14="http://schemas.microsoft.com/office/drawing/2010/main" xmlns="" w="9525" cap="flat">
                     <a:solidFill>
                       <a:srgbClr val="808080"/>
                     </a:solidFill>
@@ -21370,7 +21370,7 @@
                   </a14:hiddenLine>
                 </a:ext>
                 <a:ext uri="{AF507438-7753-43e0-B8FC-AC1667EBCBE1}">
-                  <a14:hiddenEffects xmlns="" xmlns:a14="http://schemas.microsoft.com/office/drawing/2010/main">
+                  <a14:hiddenEffects xmlns:a14="http://schemas.microsoft.com/office/drawing/2010/main" xmlns="">
                     <a:effectLst>
                       <a:outerShdw blurRad="63500" dist="38099" dir="2700000" algn="ctr" rotWithShape="0">
                         <a:srgbClr val="000000">
@@ -21477,7 +21477,7 @@
               <a:effectLst/>
               <a:extLst>
                 <a:ext uri="{91240B29-F687-4f45-9708-019B960494DF}">
-                  <a14:hiddenLine xmlns="" xmlns:a14="http://schemas.microsoft.com/office/drawing/2010/main" w="9525" cap="flat">
+                  <a14:hiddenLine xmlns:a14="http://schemas.microsoft.com/office/drawing/2010/main" xmlns="" w="9525" cap="flat">
                     <a:solidFill>
                       <a:srgbClr val="808080"/>
                     </a:solidFill>
@@ -21487,7 +21487,7 @@
                   </a14:hiddenLine>
                 </a:ext>
                 <a:ext uri="{AF507438-7753-43e0-B8FC-AC1667EBCBE1}">
-                  <a14:hiddenEffects xmlns="" xmlns:a14="http://schemas.microsoft.com/office/drawing/2010/main">
+                  <a14:hiddenEffects xmlns:a14="http://schemas.microsoft.com/office/drawing/2010/main" xmlns="">
                     <a:effectLst>
                       <a:outerShdw blurRad="63500" dist="38099" dir="2700000" algn="ctr" rotWithShape="0">
                         <a:srgbClr val="000000">
@@ -21602,7 +21602,7 @@
               <a:effectLst/>
               <a:extLst>
                 <a:ext uri="{91240B29-F687-4f45-9708-019B960494DF}">
-                  <a14:hiddenLine xmlns="" xmlns:a14="http://schemas.microsoft.com/office/drawing/2010/main" w="9525" cap="flat">
+                  <a14:hiddenLine xmlns:a14="http://schemas.microsoft.com/office/drawing/2010/main" xmlns="" w="9525" cap="flat">
                     <a:solidFill>
                       <a:srgbClr val="808080"/>
                     </a:solidFill>
@@ -21612,7 +21612,7 @@
                   </a14:hiddenLine>
                 </a:ext>
                 <a:ext uri="{AF507438-7753-43e0-B8FC-AC1667EBCBE1}">
-                  <a14:hiddenEffects xmlns="" xmlns:a14="http://schemas.microsoft.com/office/drawing/2010/main">
+                  <a14:hiddenEffects xmlns:a14="http://schemas.microsoft.com/office/drawing/2010/main" xmlns="">
                     <a:effectLst>
                       <a:outerShdw blurRad="63500" dist="38099" dir="2700000" algn="ctr" rotWithShape="0">
                         <a:srgbClr val="000000">
@@ -21737,7 +21737,7 @@
               <a:effectLst/>
               <a:extLst>
                 <a:ext uri="{91240B29-F687-4f45-9708-019B960494DF}">
-                  <a14:hiddenLine xmlns="" xmlns:a14="http://schemas.microsoft.com/office/drawing/2010/main" w="9525" cap="flat">
+                  <a14:hiddenLine xmlns:a14="http://schemas.microsoft.com/office/drawing/2010/main" xmlns="" w="9525" cap="flat">
                     <a:solidFill>
                       <a:srgbClr val="808080"/>
                     </a:solidFill>
@@ -21747,7 +21747,7 @@
                   </a14:hiddenLine>
                 </a:ext>
                 <a:ext uri="{AF507438-7753-43e0-B8FC-AC1667EBCBE1}">
-                  <a14:hiddenEffects xmlns="" xmlns:a14="http://schemas.microsoft.com/office/drawing/2010/main">
+                  <a14:hiddenEffects xmlns:a14="http://schemas.microsoft.com/office/drawing/2010/main" xmlns="">
                     <a:effectLst>
                       <a:outerShdw blurRad="63500" dist="38099" dir="2700000" algn="ctr" rotWithShape="0">
                         <a:srgbClr val="000000">
@@ -21862,7 +21862,7 @@
               <a:effectLst/>
               <a:extLst>
                 <a:ext uri="{91240B29-F687-4f45-9708-019B960494DF}">
-                  <a14:hiddenLine xmlns="" xmlns:a14="http://schemas.microsoft.com/office/drawing/2010/main" w="9525" cap="flat">
+                  <a14:hiddenLine xmlns:a14="http://schemas.microsoft.com/office/drawing/2010/main" xmlns="" w="9525" cap="flat">
                     <a:solidFill>
                       <a:srgbClr val="808080"/>
                     </a:solidFill>
@@ -21872,7 +21872,7 @@
                   </a14:hiddenLine>
                 </a:ext>
                 <a:ext uri="{AF507438-7753-43e0-B8FC-AC1667EBCBE1}">
-                  <a14:hiddenEffects xmlns="" xmlns:a14="http://schemas.microsoft.com/office/drawing/2010/main">
+                  <a14:hiddenEffects xmlns:a14="http://schemas.microsoft.com/office/drawing/2010/main" xmlns="">
                     <a:effectLst>
                       <a:outerShdw blurRad="63500" dist="38099" dir="2700000" algn="ctr" rotWithShape="0">
                         <a:srgbClr val="000000">
@@ -22183,7 +22183,7 @@
               <a:effectLst/>
               <a:extLst>
                 <a:ext uri="{91240B29-F687-4f45-9708-019B960494DF}">
-                  <a14:hiddenLine xmlns="" xmlns:a14="http://schemas.microsoft.com/office/drawing/2010/main" w="9525" cap="flat">
+                  <a14:hiddenLine xmlns:a14="http://schemas.microsoft.com/office/drawing/2010/main" xmlns="" w="9525" cap="flat">
                     <a:solidFill>
                       <a:srgbClr val="808080"/>
                     </a:solidFill>
@@ -22193,7 +22193,7 @@
                   </a14:hiddenLine>
                 </a:ext>
                 <a:ext uri="{AF507438-7753-43e0-B8FC-AC1667EBCBE1}">
-                  <a14:hiddenEffects xmlns="" xmlns:a14="http://schemas.microsoft.com/office/drawing/2010/main">
+                  <a14:hiddenEffects xmlns:a14="http://schemas.microsoft.com/office/drawing/2010/main" xmlns="">
                     <a:effectLst>
                       <a:outerShdw blurRad="63500" dist="38099" dir="2700000" algn="ctr" rotWithShape="0">
                         <a:srgbClr val="000000">
@@ -22901,7 +22901,7 @@
               <a:effectLst/>
               <a:extLst>
                 <a:ext uri="{91240B29-F687-4f45-9708-019B960494DF}">
-                  <a14:hiddenLine xmlns="" xmlns:a14="http://schemas.microsoft.com/office/drawing/2010/main" w="9525" cap="flat">
+                  <a14:hiddenLine xmlns:a14="http://schemas.microsoft.com/office/drawing/2010/main" xmlns="" w="9525" cap="flat">
                     <a:solidFill>
                       <a:srgbClr val="808080"/>
                     </a:solidFill>
@@ -22911,7 +22911,7 @@
                   </a14:hiddenLine>
                 </a:ext>
                 <a:ext uri="{AF507438-7753-43e0-B8FC-AC1667EBCBE1}">
-                  <a14:hiddenEffects xmlns="" xmlns:a14="http://schemas.microsoft.com/office/drawing/2010/main">
+                  <a14:hiddenEffects xmlns:a14="http://schemas.microsoft.com/office/drawing/2010/main" xmlns="">
                     <a:effectLst>
                       <a:outerShdw blurRad="63500" dist="38099" dir="2700000" algn="ctr" rotWithShape="0">
                         <a:srgbClr val="000000">
@@ -23028,7 +23028,7 @@
               <a:effectLst/>
               <a:extLst>
                 <a:ext uri="{91240B29-F687-4f45-9708-019B960494DF}">
-                  <a14:hiddenLine xmlns="" xmlns:a14="http://schemas.microsoft.com/office/drawing/2010/main" w="9525" cap="flat">
+                  <a14:hiddenLine xmlns:a14="http://schemas.microsoft.com/office/drawing/2010/main" xmlns="" w="9525" cap="flat">
                     <a:solidFill>
                       <a:srgbClr val="808080"/>
                     </a:solidFill>
@@ -23038,7 +23038,7 @@
                   </a14:hiddenLine>
                 </a:ext>
                 <a:ext uri="{AF507438-7753-43e0-B8FC-AC1667EBCBE1}">
-                  <a14:hiddenEffects xmlns="" xmlns:a14="http://schemas.microsoft.com/office/drawing/2010/main">
+                  <a14:hiddenEffects xmlns:a14="http://schemas.microsoft.com/office/drawing/2010/main" xmlns="">
                     <a:effectLst>
                       <a:outerShdw blurRad="63500" dist="38099" dir="2700000" algn="ctr" rotWithShape="0">
                         <a:srgbClr val="000000">
@@ -23155,7 +23155,7 @@
               <a:effectLst/>
               <a:extLst>
                 <a:ext uri="{91240B29-F687-4f45-9708-019B960494DF}">
-                  <a14:hiddenLine xmlns="" xmlns:a14="http://schemas.microsoft.com/office/drawing/2010/main" w="9525" cap="flat">
+                  <a14:hiddenLine xmlns:a14="http://schemas.microsoft.com/office/drawing/2010/main" xmlns="" w="9525" cap="flat">
                     <a:solidFill>
                       <a:srgbClr val="808080"/>
                     </a:solidFill>
@@ -23165,7 +23165,7 @@
                   </a14:hiddenLine>
                 </a:ext>
                 <a:ext uri="{AF507438-7753-43e0-B8FC-AC1667EBCBE1}">
-                  <a14:hiddenEffects xmlns="" xmlns:a14="http://schemas.microsoft.com/office/drawing/2010/main">
+                  <a14:hiddenEffects xmlns:a14="http://schemas.microsoft.com/office/drawing/2010/main" xmlns="">
                     <a:effectLst>
                       <a:outerShdw blurRad="63500" dist="38099" dir="2700000" algn="ctr" rotWithShape="0">
                         <a:srgbClr val="000000">
@@ -23290,7 +23290,7 @@
               <a:effectLst/>
               <a:extLst>
                 <a:ext uri="{91240B29-F687-4f45-9708-019B960494DF}">
-                  <a14:hiddenLine xmlns="" xmlns:a14="http://schemas.microsoft.com/office/drawing/2010/main" w="9525" cap="flat">
+                  <a14:hiddenLine xmlns:a14="http://schemas.microsoft.com/office/drawing/2010/main" xmlns="" w="9525" cap="flat">
                     <a:solidFill>
                       <a:srgbClr val="808080"/>
                     </a:solidFill>
@@ -23300,7 +23300,7 @@
                   </a14:hiddenLine>
                 </a:ext>
                 <a:ext uri="{AF507438-7753-43e0-B8FC-AC1667EBCBE1}">
-                  <a14:hiddenEffects xmlns="" xmlns:a14="http://schemas.microsoft.com/office/drawing/2010/main">
+                  <a14:hiddenEffects xmlns:a14="http://schemas.microsoft.com/office/drawing/2010/main" xmlns="">
                     <a:effectLst>
                       <a:outerShdw blurRad="63500" dist="38099" dir="2700000" algn="ctr" rotWithShape="0">
                         <a:srgbClr val="000000">
@@ -23419,7 +23419,7 @@
               <a:effectLst/>
               <a:extLst>
                 <a:ext uri="{91240B29-F687-4f45-9708-019B960494DF}">
-                  <a14:hiddenLine xmlns="" xmlns:a14="http://schemas.microsoft.com/office/drawing/2010/main" w="9525" cap="flat">
+                  <a14:hiddenLine xmlns:a14="http://schemas.microsoft.com/office/drawing/2010/main" xmlns="" w="9525" cap="flat">
                     <a:solidFill>
                       <a:srgbClr val="808080"/>
                     </a:solidFill>
@@ -23429,7 +23429,7 @@
                   </a14:hiddenLine>
                 </a:ext>
                 <a:ext uri="{AF507438-7753-43e0-B8FC-AC1667EBCBE1}">
-                  <a14:hiddenEffects xmlns="" xmlns:a14="http://schemas.microsoft.com/office/drawing/2010/main">
+                  <a14:hiddenEffects xmlns:a14="http://schemas.microsoft.com/office/drawing/2010/main" xmlns="">
                     <a:effectLst>
                       <a:outerShdw blurRad="63500" dist="38099" dir="2700000" algn="ctr" rotWithShape="0">
                         <a:srgbClr val="000000">
@@ -23999,7 +23999,7 @@
               <a:effectLst/>
               <a:extLst>
                 <a:ext uri="{91240B29-F687-4f45-9708-019B960494DF}">
-                  <a14:hiddenLine xmlns="" xmlns:a14="http://schemas.microsoft.com/office/drawing/2010/main" w="9525" cap="flat">
+                  <a14:hiddenLine xmlns:a14="http://schemas.microsoft.com/office/drawing/2010/main" xmlns="" w="9525" cap="flat">
                     <a:solidFill>
                       <a:srgbClr val="808080"/>
                     </a:solidFill>
@@ -24009,7 +24009,7 @@
                   </a14:hiddenLine>
                 </a:ext>
                 <a:ext uri="{AF507438-7753-43e0-B8FC-AC1667EBCBE1}">
-                  <a14:hiddenEffects xmlns="" xmlns:a14="http://schemas.microsoft.com/office/drawing/2010/main">
+                  <a14:hiddenEffects xmlns:a14="http://schemas.microsoft.com/office/drawing/2010/main" xmlns="">
                     <a:effectLst>
                       <a:outerShdw blurRad="63500" dist="38099" dir="2700000" algn="ctr" rotWithShape="0">
                         <a:srgbClr val="000000">
@@ -24361,7 +24361,7 @@
               <a:effectLst/>
               <a:extLst>
                 <a:ext uri="{91240B29-F687-4f45-9708-019B960494DF}">
-                  <a14:hiddenLine xmlns="" xmlns:a14="http://schemas.microsoft.com/office/drawing/2010/main" w="9525" cap="flat">
+                  <a14:hiddenLine xmlns:a14="http://schemas.microsoft.com/office/drawing/2010/main" xmlns="" w="9525" cap="flat">
                     <a:solidFill>
                       <a:srgbClr val="808080"/>
                     </a:solidFill>
@@ -24371,7 +24371,7 @@
                   </a14:hiddenLine>
                 </a:ext>
                 <a:ext uri="{AF507438-7753-43e0-B8FC-AC1667EBCBE1}">
-                  <a14:hiddenEffects xmlns="" xmlns:a14="http://schemas.microsoft.com/office/drawing/2010/main">
+                  <a14:hiddenEffects xmlns:a14="http://schemas.microsoft.com/office/drawing/2010/main" xmlns="">
                     <a:effectLst>
                       <a:outerShdw blurRad="63500" dist="38099" dir="2700000" algn="ctr" rotWithShape="0">
                         <a:srgbClr val="000000">
@@ -24571,7 +24571,7 @@
               <a:effectLst/>
               <a:extLst>
                 <a:ext uri="{91240B29-F687-4f45-9708-019B960494DF}">
-                  <a14:hiddenLine xmlns="" xmlns:a14="http://schemas.microsoft.com/office/drawing/2010/main" w="9525" cap="flat">
+                  <a14:hiddenLine xmlns:a14="http://schemas.microsoft.com/office/drawing/2010/main" xmlns="" w="9525" cap="flat">
                     <a:solidFill>
                       <a:srgbClr val="808080"/>
                     </a:solidFill>
@@ -24581,7 +24581,7 @@
                   </a14:hiddenLine>
                 </a:ext>
                 <a:ext uri="{AF507438-7753-43e0-B8FC-AC1667EBCBE1}">
-                  <a14:hiddenEffects xmlns="" xmlns:a14="http://schemas.microsoft.com/office/drawing/2010/main">
+                  <a14:hiddenEffects xmlns:a14="http://schemas.microsoft.com/office/drawing/2010/main" xmlns="">
                     <a:effectLst>
                       <a:outerShdw blurRad="63500" dist="38099" dir="2700000" algn="ctr" rotWithShape="0">
                         <a:srgbClr val="000000">
@@ -24756,7 +24756,7 @@
               <a:effectLst/>
               <a:extLst>
                 <a:ext uri="{91240B29-F687-4f45-9708-019B960494DF}">
-                  <a14:hiddenLine xmlns="" xmlns:a14="http://schemas.microsoft.com/office/drawing/2010/main" w="9525" cap="flat">
+                  <a14:hiddenLine xmlns:a14="http://schemas.microsoft.com/office/drawing/2010/main" xmlns="" w="9525" cap="flat">
                     <a:solidFill>
                       <a:srgbClr val="808080"/>
                     </a:solidFill>
@@ -24766,7 +24766,7 @@
                   </a14:hiddenLine>
                 </a:ext>
                 <a:ext uri="{AF507438-7753-43e0-B8FC-AC1667EBCBE1}">
-                  <a14:hiddenEffects xmlns="" xmlns:a14="http://schemas.microsoft.com/office/drawing/2010/main">
+                  <a14:hiddenEffects xmlns:a14="http://schemas.microsoft.com/office/drawing/2010/main" xmlns="">
                     <a:effectLst>
                       <a:outerShdw blurRad="63500" dist="38099" dir="2700000" algn="ctr" rotWithShape="0">
                         <a:srgbClr val="000000">
@@ -24961,7 +24961,7 @@
               <a:effectLst/>
               <a:extLst>
                 <a:ext uri="{91240B29-F687-4f45-9708-019B960494DF}">
-                  <a14:hiddenLine xmlns="" xmlns:a14="http://schemas.microsoft.com/office/drawing/2010/main" w="9525" cap="flat">
+                  <a14:hiddenLine xmlns:a14="http://schemas.microsoft.com/office/drawing/2010/main" xmlns="" w="9525" cap="flat">
                     <a:solidFill>
                       <a:srgbClr val="808080"/>
                     </a:solidFill>
@@ -24971,7 +24971,7 @@
                   </a14:hiddenLine>
                 </a:ext>
                 <a:ext uri="{AF507438-7753-43e0-B8FC-AC1667EBCBE1}">
-                  <a14:hiddenEffects xmlns="" xmlns:a14="http://schemas.microsoft.com/office/drawing/2010/main">
+                  <a14:hiddenEffects xmlns:a14="http://schemas.microsoft.com/office/drawing/2010/main" xmlns="">
                     <a:effectLst>
                       <a:outerShdw blurRad="63500" dist="38099" dir="2700000" algn="ctr" rotWithShape="0">
                         <a:srgbClr val="000000">
@@ -25182,7 +25182,7 @@
               <a:effectLst/>
               <a:extLst>
                 <a:ext uri="{91240B29-F687-4f45-9708-019B960494DF}">
-                  <a14:hiddenLine xmlns="" xmlns:a14="http://schemas.microsoft.com/office/drawing/2010/main" w="9525" cap="flat">
+                  <a14:hiddenLine xmlns:a14="http://schemas.microsoft.com/office/drawing/2010/main" xmlns="" w="9525" cap="flat">
                     <a:solidFill>
                       <a:srgbClr val="808080"/>
                     </a:solidFill>
@@ -25192,7 +25192,7 @@
                   </a14:hiddenLine>
                 </a:ext>
                 <a:ext uri="{AF507438-7753-43e0-B8FC-AC1667EBCBE1}">
-                  <a14:hiddenEffects xmlns="" xmlns:a14="http://schemas.microsoft.com/office/drawing/2010/main">
+                  <a14:hiddenEffects xmlns:a14="http://schemas.microsoft.com/office/drawing/2010/main" xmlns="">
                     <a:effectLst>
                       <a:outerShdw blurRad="63500" dist="38099" dir="2700000" algn="ctr" rotWithShape="0">
                         <a:srgbClr val="000000">
